--- a/demo.pptx
+++ b/demo.pptx
@@ -108,7 +108,16 @@
       </a:defRPr>
     </a:lvl9pPr>
   </p:defaultTextStyle>
+  <p:extLst>
+    <p:ext uri="{EFAFB233-063F-42B5-8137-9DF3F51BA10A}">
+      <p15:sldGuideLst xmlns:p15="http://schemas.microsoft.com/office/powerpoint/2012/main"/>
+    </p:ext>
+  </p:extLst>
 </p:presentation>
+</file>
+
+<file path=ppt/revisionInfo.xml><?xml version="1.0" encoding="utf-8"?>
+<p1510:revInfo xmlns:a="http://schemas.openxmlformats.org/drawingml/2006/main" xmlns:r="http://schemas.openxmlformats.org/officeDocument/2006/relationships" xmlns:p1510="http://schemas.microsoft.com/office/powerpoint/2015/10/main"/>
 </file>
 
 <file path=ppt/slideLayouts/slideLayout1.xml><?xml version="1.0" encoding="utf-8"?>
@@ -250,7 +259,7 @@
           <a:p>
             <a:fld id="{8D49F9FD-8C48-4E26-BAB2-38F0982C8B49}" type="datetimeFigureOut">
               <a:rPr lang="en-US" smtClean="0"/>
-              <a:t>11/5/2017</a:t>
+              <a:t>11/6/2017</a:t>
             </a:fld>
             <a:endParaRPr lang="en-US"/>
           </a:p>
@@ -461,7 +470,7 @@
           <a:p>
             <a:fld id="{8D49F9FD-8C48-4E26-BAB2-38F0982C8B49}" type="datetimeFigureOut">
               <a:rPr lang="en-US" smtClean="0"/>
-              <a:t>11/5/2017</a:t>
+              <a:t>11/6/2017</a:t>
             </a:fld>
             <a:endParaRPr lang="en-US"/>
           </a:p>
@@ -676,7 +685,7 @@
           <a:p>
             <a:fld id="{8D49F9FD-8C48-4E26-BAB2-38F0982C8B49}" type="datetimeFigureOut">
               <a:rPr lang="en-US" smtClean="0"/>
-              <a:t>11/5/2017</a:t>
+              <a:t>11/6/2017</a:t>
             </a:fld>
             <a:endParaRPr lang="en-US"/>
           </a:p>
@@ -877,7 +886,7 @@
           <a:p>
             <a:fld id="{8D49F9FD-8C48-4E26-BAB2-38F0982C8B49}" type="datetimeFigureOut">
               <a:rPr lang="en-US" smtClean="0"/>
-              <a:t>11/5/2017</a:t>
+              <a:t>11/6/2017</a:t>
             </a:fld>
             <a:endParaRPr lang="en-US"/>
           </a:p>
@@ -1156,7 +1165,7 @@
           <a:p>
             <a:fld id="{8D49F9FD-8C48-4E26-BAB2-38F0982C8B49}" type="datetimeFigureOut">
               <a:rPr lang="en-US" smtClean="0"/>
-              <a:t>11/5/2017</a:t>
+              <a:t>11/6/2017</a:t>
             </a:fld>
             <a:endParaRPr lang="en-US"/>
           </a:p>
@@ -1424,7 +1433,7 @@
           <a:p>
             <a:fld id="{8D49F9FD-8C48-4E26-BAB2-38F0982C8B49}" type="datetimeFigureOut">
               <a:rPr lang="en-US" smtClean="0"/>
-              <a:t>11/5/2017</a:t>
+              <a:t>11/6/2017</a:t>
             </a:fld>
             <a:endParaRPr lang="en-US"/>
           </a:p>
@@ -1840,7 +1849,7 @@
           <a:p>
             <a:fld id="{8D49F9FD-8C48-4E26-BAB2-38F0982C8B49}" type="datetimeFigureOut">
               <a:rPr lang="en-US" smtClean="0"/>
-              <a:t>11/5/2017</a:t>
+              <a:t>11/6/2017</a:t>
             </a:fld>
             <a:endParaRPr lang="en-US"/>
           </a:p>
@@ -1989,7 +1998,7 @@
           <a:p>
             <a:fld id="{8D49F9FD-8C48-4E26-BAB2-38F0982C8B49}" type="datetimeFigureOut">
               <a:rPr lang="en-US" smtClean="0"/>
-              <a:t>11/5/2017</a:t>
+              <a:t>11/6/2017</a:t>
             </a:fld>
             <a:endParaRPr lang="en-US"/>
           </a:p>
@@ -2115,7 +2124,7 @@
           <a:p>
             <a:fld id="{8D49F9FD-8C48-4E26-BAB2-38F0982C8B49}" type="datetimeFigureOut">
               <a:rPr lang="en-US" smtClean="0"/>
-              <a:t>11/5/2017</a:t>
+              <a:t>11/6/2017</a:t>
             </a:fld>
             <a:endParaRPr lang="en-US"/>
           </a:p>
@@ -2366,7 +2375,7 @@
           <a:p>
             <a:fld id="{8D49F9FD-8C48-4E26-BAB2-38F0982C8B49}" type="datetimeFigureOut">
               <a:rPr lang="en-US" smtClean="0"/>
-              <a:t>11/5/2017</a:t>
+              <a:t>11/6/2017</a:t>
             </a:fld>
             <a:endParaRPr lang="en-US"/>
           </a:p>
@@ -2811,7 +2820,7 @@
           <a:p>
             <a:fld id="{8D49F9FD-8C48-4E26-BAB2-38F0982C8B49}" type="datetimeFigureOut">
               <a:rPr lang="en-US" smtClean="0"/>
-              <a:t>11/5/2017</a:t>
+              <a:t>11/6/2017</a:t>
             </a:fld>
             <a:endParaRPr lang="en-US"/>
           </a:p>
@@ -3137,7 +3146,7 @@
           <a:p>
             <a:fld id="{8D49F9FD-8C48-4E26-BAB2-38F0982C8B49}" type="datetimeFigureOut">
               <a:rPr lang="en-US" smtClean="0"/>
-              <a:t>11/5/2017</a:t>
+              <a:t>11/6/2017</a:t>
             </a:fld>
             <a:endParaRPr lang="en-US"/>
           </a:p>
@@ -4129,7 +4138,11 @@
           <a:bodyPr/>
           <a:lstStyle/>
           <a:p>
-            <a:endParaRPr lang="en-US" dirty="0"/>
+            <a:pPr algn="ctr"/>
+            <a:r>
+              <a:rPr lang="en-US" dirty="0"/>
+              <a:t>Check it out!</a:t>
+            </a:r>
           </a:p>
         </p:txBody>
       </p:sp>
@@ -4154,7 +4167,19 @@
           <a:bodyPr/>
           <a:lstStyle/>
           <a:p>
-            <a:endParaRPr lang="en-US"/>
+            <a:pPr marL="0" indent="0" algn="ctr">
+              <a:buNone/>
+            </a:pPr>
+            <a:r>
+              <a:rPr lang="en-US" sz="9600" dirty="0">
+                <a:hlinkClick r:id="rId2"/>
+              </a:rPr>
+              <a:t>StudySpotFinder</a:t>
+            </a:r>
+            <a:endParaRPr lang="en-US" sz="9600" dirty="0"/>
+          </a:p>
+          <a:p>
+            <a:endParaRPr lang="en-US" dirty="0"/>
           </a:p>
         </p:txBody>
       </p:sp>
